--- a/2025_Б_ПІ_ПЗПІ-21-5_Кравченко_Є_Р.pptx
+++ b/2025_Б_ПІ_ПЗПІ-21-5_Кравченко_Є_Р.pptx
@@ -5,7 +5,7 @@
     <p:sldMasterId id="2147483659" r:id="rId1"/>
   </p:sldMasterIdLst>
   <p:notesMasterIdLst>
-    <p:notesMasterId r:id="rId23"/>
+    <p:notesMasterId r:id="rId22"/>
   </p:notesMasterIdLst>
   <p:sldIdLst>
     <p:sldId id="256" r:id="rId2"/>
@@ -27,25 +27,24 @@
     <p:sldId id="279" r:id="rId18"/>
     <p:sldId id="275" r:id="rId19"/>
     <p:sldId id="267" r:id="rId20"/>
-    <p:sldId id="280" r:id="rId21"/>
-    <p:sldId id="281" r:id="rId22"/>
+    <p:sldId id="281" r:id="rId21"/>
   </p:sldIdLst>
   <p:sldSz cx="9144000" cy="5143500" type="screen16x9"/>
   <p:notesSz cx="6858000" cy="9144000"/>
   <p:embeddedFontLst>
     <p:embeddedFont>
       <p:font typeface="Economica" panose="020B0604020202020204" charset="0"/>
-      <p:regular r:id="rId24"/>
-      <p:bold r:id="rId25"/>
-      <p:italic r:id="rId26"/>
-      <p:boldItalic r:id="rId27"/>
+      <p:regular r:id="rId23"/>
+      <p:bold r:id="rId24"/>
+      <p:italic r:id="rId25"/>
+      <p:boldItalic r:id="rId26"/>
     </p:embeddedFont>
     <p:embeddedFont>
       <p:font typeface="Open Sans" panose="020B0606030504020204" pitchFamily="34" charset="0"/>
-      <p:regular r:id="rId28"/>
-      <p:bold r:id="rId29"/>
-      <p:italic r:id="rId30"/>
-      <p:boldItalic r:id="rId31"/>
+      <p:regular r:id="rId27"/>
+      <p:bold r:id="rId28"/>
+      <p:italic r:id="rId29"/>
+      <p:boldItalic r:id="rId30"/>
     </p:embeddedFont>
   </p:embeddedFontLst>
   <p:defaultTextStyle>
@@ -12137,72 +12136,6 @@
       </p:grpSpPr>
       <p:sp>
         <p:nvSpPr>
-          <p:cNvPr id="4" name="TextBox 3">
-            <a:extLst>
-              <a:ext uri="{FF2B5EF4-FFF2-40B4-BE49-F238E27FC236}">
-                <a16:creationId xmlns:a16="http://schemas.microsoft.com/office/drawing/2014/main" id="{8FD49BE9-723B-C1C8-245F-6143A3B6689A}"/>
-              </a:ext>
-            </a:extLst>
-          </p:cNvPr>
-          <p:cNvSpPr txBox="1"/>
-          <p:nvPr/>
-        </p:nvSpPr>
-        <p:spPr>
-          <a:xfrm>
-            <a:off x="3563257" y="2263973"/>
-            <a:ext cx="2017486" cy="307777"/>
-          </a:xfrm>
-          <a:prstGeom prst="rect">
-            <a:avLst/>
-          </a:prstGeom>
-          <a:noFill/>
-        </p:spPr>
-        <p:txBody>
-          <a:bodyPr wrap="square" rtlCol="0">
-            <a:spAutoFit/>
-          </a:bodyPr>
-          <a:lstStyle/>
-          <a:p>
-            <a:r>
-              <a:rPr lang="uk-UA" dirty="0"/>
-              <a:t>Тут буде відеозапис</a:t>
-            </a:r>
-            <a:endParaRPr lang="en-US" dirty="0"/>
-          </a:p>
-        </p:txBody>
-      </p:sp>
-    </p:spTree>
-    <p:extLst>
-      <p:ext uri="{BB962C8B-B14F-4D97-AF65-F5344CB8AC3E}">
-        <p14:creationId xmlns:p14="http://schemas.microsoft.com/office/powerpoint/2010/main" val="1986863264"/>
-      </p:ext>
-    </p:extLst>
-  </p:cSld>
-  <p:clrMapOvr>
-    <a:masterClrMapping/>
-  </p:clrMapOvr>
-</p:sld>
-</file>
-
-<file path=ppt/slides/slide21.xml><?xml version="1.0" encoding="utf-8"?>
-<p:sld xmlns:a="http://schemas.openxmlformats.org/drawingml/2006/main" xmlns:r="http://schemas.openxmlformats.org/officeDocument/2006/relationships" xmlns:p="http://schemas.openxmlformats.org/presentationml/2006/main">
-  <p:cSld>
-    <p:spTree>
-      <p:nvGrpSpPr>
-        <p:cNvPr id="1" name=""/>
-        <p:cNvGrpSpPr/>
-        <p:nvPr/>
-      </p:nvGrpSpPr>
-      <p:grpSpPr>
-        <a:xfrm>
-          <a:off x="0" y="0"/>
-          <a:ext cx="0" cy="0"/>
-          <a:chOff x="0" y="0"/>
-          <a:chExt cx="0" cy="0"/>
-        </a:xfrm>
-      </p:grpSpPr>
-      <p:sp>
-        <p:nvSpPr>
           <p:cNvPr id="3" name="Місце для тексту 2">
             <a:extLst>
               <a:ext uri="{FF2B5EF4-FFF2-40B4-BE49-F238E27FC236}">
